--- a/Meeting 4.1.pptx
+++ b/Meeting 4.1.pptx
@@ -207,7 +207,7 @@
           <a:p>
             <a:fld id="{B18115DA-5D0D-47D8-B2BF-B59DC9B6FACA}" type="datetimeFigureOut">
               <a:rPr lang="en-US" smtClean="0"/>
-              <a:t>3/25/2022</a:t>
+              <a:t>4/14/2022</a:t>
             </a:fld>
             <a:endParaRPr lang="en-US"/>
           </a:p>
@@ -711,7 +711,7 @@
           <a:p>
             <a:fld id="{C298A80E-92E6-4DB0-85C0-32F5A3CC81AE}" type="datetime1">
               <a:rPr lang="en-US" smtClean="0"/>
-              <a:t>3/25/2022</a:t>
+              <a:t>4/14/2022</a:t>
             </a:fld>
             <a:endParaRPr lang="en-US"/>
           </a:p>
@@ -909,7 +909,7 @@
           <a:p>
             <a:fld id="{F71D7EDF-D452-47FB-BDC2-5144C2EFD95C}" type="datetime1">
               <a:rPr lang="en-US" smtClean="0"/>
-              <a:t>3/25/2022</a:t>
+              <a:t>4/14/2022</a:t>
             </a:fld>
             <a:endParaRPr lang="en-US"/>
           </a:p>
@@ -1117,7 +1117,7 @@
           <a:p>
             <a:fld id="{86B9E3E8-806A-4572-9DD4-CD931D7858FC}" type="datetime1">
               <a:rPr lang="en-US" smtClean="0"/>
-              <a:t>3/25/2022</a:t>
+              <a:t>4/14/2022</a:t>
             </a:fld>
             <a:endParaRPr lang="en-US"/>
           </a:p>
@@ -1315,7 +1315,7 @@
           <a:p>
             <a:fld id="{5FE5C8A3-F820-4E1E-A3F3-B6F0A8F7A425}" type="datetime1">
               <a:rPr lang="en-US" smtClean="0"/>
-              <a:t>3/25/2022</a:t>
+              <a:t>4/14/2022</a:t>
             </a:fld>
             <a:endParaRPr lang="en-US"/>
           </a:p>
@@ -1590,7 +1590,7 @@
           <a:p>
             <a:fld id="{AD0B514B-764A-4AE9-B6A0-F4EF0638F4DB}" type="datetime1">
               <a:rPr lang="en-US" smtClean="0"/>
-              <a:t>3/25/2022</a:t>
+              <a:t>4/14/2022</a:t>
             </a:fld>
             <a:endParaRPr lang="en-US"/>
           </a:p>
@@ -1855,7 +1855,7 @@
           <a:p>
             <a:fld id="{474A9A45-889D-44E1-A119-A1D7D09CDA18}" type="datetime1">
               <a:rPr lang="en-US" smtClean="0"/>
-              <a:t>3/25/2022</a:t>
+              <a:t>4/14/2022</a:t>
             </a:fld>
             <a:endParaRPr lang="en-US"/>
           </a:p>
@@ -2267,7 +2267,7 @@
           <a:p>
             <a:fld id="{E59206BF-B4EC-40CD-91B7-648F6479F76D}" type="datetime1">
               <a:rPr lang="en-US" smtClean="0"/>
-              <a:t>3/25/2022</a:t>
+              <a:t>4/14/2022</a:t>
             </a:fld>
             <a:endParaRPr lang="en-US"/>
           </a:p>
@@ -2408,7 +2408,7 @@
           <a:p>
             <a:fld id="{C7C01BEE-CB63-40DD-9D35-D8E4B7CBA1B2}" type="datetime1">
               <a:rPr lang="en-US" smtClean="0"/>
-              <a:t>3/25/2022</a:t>
+              <a:t>4/14/2022</a:t>
             </a:fld>
             <a:endParaRPr lang="en-US"/>
           </a:p>
@@ -2521,7 +2521,7 @@
           <a:p>
             <a:fld id="{B7D3379D-9173-4778-9C32-21A32A489206}" type="datetime1">
               <a:rPr lang="en-US" smtClean="0"/>
-              <a:t>3/25/2022</a:t>
+              <a:t>4/14/2022</a:t>
             </a:fld>
             <a:endParaRPr lang="en-US"/>
           </a:p>
@@ -2832,7 +2832,7 @@
           <a:p>
             <a:fld id="{C5C537B2-7B4C-4D02-8590-4E2578B944E8}" type="datetime1">
               <a:rPr lang="en-US" smtClean="0"/>
-              <a:t>3/25/2022</a:t>
+              <a:t>4/14/2022</a:t>
             </a:fld>
             <a:endParaRPr lang="en-US"/>
           </a:p>
@@ -3123,7 +3123,7 @@
           <a:p>
             <a:fld id="{6659B285-E5C9-4423-9A5C-86F3D7DC2175}" type="datetime1">
               <a:rPr lang="en-US" smtClean="0"/>
-              <a:t>3/25/2022</a:t>
+              <a:t>4/14/2022</a:t>
             </a:fld>
             <a:endParaRPr lang="en-US"/>
           </a:p>
@@ -3365,7 +3365,7 @@
           <a:p>
             <a:fld id="{6E6B115D-07BB-4617-BCD8-D00EB2FAE76A}" type="datetime1">
               <a:rPr lang="en-US" smtClean="0"/>
-              <a:t>3/25/2022</a:t>
+              <a:t>4/14/2022</a:t>
             </a:fld>
             <a:endParaRPr lang="en-US"/>
           </a:p>
@@ -3872,7 +3872,7 @@
           <a:p>
             <a:fld id="{2B7B611E-DE72-44D9-BC60-AAD2EDD1F0CC}" type="datetime1">
               <a:rPr lang="en-US" smtClean="0"/>
-              <a:t>3/25/2022</a:t>
+              <a:t>4/14/2022</a:t>
             </a:fld>
             <a:endParaRPr lang="en-US"/>
           </a:p>
@@ -4010,7 +4010,7 @@
           <a:p>
             <a:fld id="{5FE5C8A3-F820-4E1E-A3F3-B6F0A8F7A425}" type="datetime1">
               <a:rPr lang="en-US" smtClean="0"/>
-              <a:t>3/25/2022</a:t>
+              <a:t>4/14/2022</a:t>
             </a:fld>
             <a:endParaRPr lang="en-US"/>
           </a:p>
@@ -4153,7 +4153,7 @@
           <a:p>
             <a:fld id="{C7C01BEE-CB63-40DD-9D35-D8E4B7CBA1B2}" type="datetime1">
               <a:rPr lang="en-US" smtClean="0"/>
-              <a:t>3/25/2022</a:t>
+              <a:t>4/14/2022</a:t>
             </a:fld>
             <a:endParaRPr lang="en-US"/>
           </a:p>
@@ -4211,7 +4211,7 @@
         <p:spPr>
           <a:xfrm>
             <a:off x="838200" y="365125"/>
-            <a:ext cx="4413552" cy="5781675"/>
+            <a:ext cx="4614644" cy="6045102"/>
           </a:xfrm>
           <a:prstGeom prst="rect">
             <a:avLst/>
@@ -4584,7 +4584,7 @@
           <a:p>
             <a:fld id="{766EE9A8-9FCE-4AF0-99D8-6AF26E3DEA92}" type="datetime1">
               <a:rPr lang="en-US" smtClean="0"/>
-              <a:t>3/25/2022</a:t>
+              <a:t>4/14/2022</a:t>
             </a:fld>
             <a:endParaRPr lang="en-US"/>
           </a:p>
@@ -4979,7 +4979,7 @@
                   <a:spcPts val="600"/>
                 </a:spcAft>
               </a:pPr>
-              <a:t>3/25/2022</a:t>
+              <a:t>4/14/2022</a:t>
             </a:fld>
             <a:endParaRPr lang="en-US">
               <a:solidFill>
@@ -5269,7 +5269,7 @@
                   <a:spcPts val="600"/>
                 </a:spcAft>
               </a:pPr>
-              <a:t>3/25/2022</a:t>
+              <a:t>4/14/2022</a:t>
             </a:fld>
             <a:endParaRPr lang="en-US">
               <a:solidFill>
@@ -5445,7 +5445,7 @@
           <a:p>
             <a:fld id="{5FE5C8A3-F820-4E1E-A3F3-B6F0A8F7A425}" type="datetime1">
               <a:rPr lang="en-US" smtClean="0"/>
-              <a:t>3/25/2022</a:t>
+              <a:t>4/14/2022</a:t>
             </a:fld>
             <a:endParaRPr lang="en-US"/>
           </a:p>
@@ -5675,7 +5675,7 @@
           <a:p>
             <a:fld id="{5FE5C8A3-F820-4E1E-A3F3-B6F0A8F7A425}" type="datetime1">
               <a:rPr lang="en-US" smtClean="0"/>
-              <a:t>3/25/2022</a:t>
+              <a:t>4/14/2022</a:t>
             </a:fld>
             <a:endParaRPr lang="en-US"/>
           </a:p>
@@ -5847,7 +5847,7 @@
           <a:p>
             <a:fld id="{5FE5C8A3-F820-4E1E-A3F3-B6F0A8F7A425}" type="datetime1">
               <a:rPr lang="en-US" smtClean="0"/>
-              <a:t>3/25/2022</a:t>
+              <a:t>4/14/2022</a:t>
             </a:fld>
             <a:endParaRPr lang="en-US"/>
           </a:p>
@@ -6015,7 +6015,7 @@
           <a:p>
             <a:fld id="{5FE5C8A3-F820-4E1E-A3F3-B6F0A8F7A425}" type="datetime1">
               <a:rPr lang="en-US" smtClean="0"/>
-              <a:t>3/25/2022</a:t>
+              <a:t>4/14/2022</a:t>
             </a:fld>
             <a:endParaRPr lang="en-US"/>
           </a:p>
